--- a/Praesentationen/Audio-Deepfakes.pptx
+++ b/Praesentationen/Audio-Deepfakes.pptx
@@ -5,7 +5,7 @@
     <p:sldMasterId id="2147483648" r:id="rId1"/>
   </p:sldMasterIdLst>
   <p:notesMasterIdLst>
-    <p:notesMasterId r:id="rId11"/>
+    <p:notesMasterId r:id="rId12"/>
   </p:notesMasterIdLst>
   <p:sldIdLst>
     <p:sldId id="258" r:id="rId2"/>
@@ -17,6 +17,7 @@
     <p:sldId id="304" r:id="rId8"/>
     <p:sldId id="305" r:id="rId9"/>
     <p:sldId id="306" r:id="rId10"/>
+    <p:sldId id="307" r:id="rId11"/>
   </p:sldIdLst>
   <p:sldSz cx="12192000" cy="6858000"/>
   <p:notesSz cx="6858000" cy="9144000"/>
@@ -3003,6 +3004,299 @@
 </p:sld>
 </file>
 
+<file path=ppt/slides/slide10.xml><?xml version="1.0" encoding="utf-8"?>
+<p:sld xmlns:a="http://schemas.openxmlformats.org/drawingml/2006/main" xmlns:r="http://schemas.openxmlformats.org/officeDocument/2006/relationships" xmlns:p="http://schemas.openxmlformats.org/presentationml/2006/main">
+  <p:cSld>
+    <p:spTree>
+      <p:nvGrpSpPr>
+        <p:cNvPr id="1" name=""/>
+        <p:cNvGrpSpPr/>
+        <p:nvPr/>
+      </p:nvGrpSpPr>
+      <p:grpSpPr>
+        <a:xfrm>
+          <a:off x="0" y="0"/>
+          <a:ext cx="0" cy="0"/>
+          <a:chOff x="0" y="0"/>
+          <a:chExt cx="0" cy="0"/>
+        </a:xfrm>
+      </p:grpSpPr>
+      <p:sp>
+        <p:nvSpPr>
+          <p:cNvPr id="2" name="Inhaltsplatzhalter 1">
+            <a:extLst>
+              <a:ext uri="{FF2B5EF4-FFF2-40B4-BE49-F238E27FC236}">
+                <a16:creationId xmlns:a16="http://schemas.microsoft.com/office/drawing/2014/main" id="{71E9773D-20EB-9CC1-EE21-0AA94A5098DD}"/>
+              </a:ext>
+            </a:extLst>
+          </p:cNvPr>
+          <p:cNvSpPr>
+            <a:spLocks noGrp="1"/>
+          </p:cNvSpPr>
+          <p:nvPr>
+            <p:ph idx="13"/>
+          </p:nvPr>
+        </p:nvSpPr>
+        <p:spPr/>
+        <p:txBody>
+          <a:bodyPr/>
+          <a:lstStyle/>
+          <a:p>
+            <a:r>
+              <a:rPr lang="de-DE"/>
+              <a:t>Tacotron2</a:t>
+            </a:r>
+          </a:p>
+          <a:p>
+            <a:pPr lvl="1"/>
+            <a:r>
+              <a:rPr lang="de-DE" b="1"/>
+              <a:t>CPU:</a:t>
+            </a:r>
+            <a:r>
+              <a:rPr lang="de-DE"/>
+              <a:t> AMD Ryzen 7 2700X</a:t>
+            </a:r>
+          </a:p>
+          <a:p>
+            <a:pPr lvl="1"/>
+            <a:r>
+              <a:rPr lang="de-DE" b="1"/>
+              <a:t>RAM: </a:t>
+            </a:r>
+            <a:r>
+              <a:rPr lang="de-DE"/>
+              <a:t>16GB DDR4 3000MHz</a:t>
+            </a:r>
+          </a:p>
+          <a:p>
+            <a:pPr lvl="1"/>
+            <a:r>
+              <a:rPr lang="de-DE" b="1"/>
+              <a:t>GPU:</a:t>
+            </a:r>
+            <a:r>
+              <a:rPr lang="de-DE"/>
+              <a:t> NVIDIA GTX 1070</a:t>
+            </a:r>
+          </a:p>
+          <a:p>
+            <a:pPr lvl="1"/>
+            <a:r>
+              <a:rPr lang="de-DE" b="1"/>
+              <a:t>OS: </a:t>
+            </a:r>
+            <a:r>
+              <a:rPr lang="de-DE"/>
+              <a:t>Windows 10</a:t>
+            </a:r>
+          </a:p>
+          <a:p>
+            <a:pPr lvl="1"/>
+            <a:r>
+              <a:rPr lang="de-DE" b="1"/>
+              <a:t>Mikrofon: </a:t>
+            </a:r>
+            <a:r>
+              <a:rPr lang="de-DE"/>
+              <a:t>Auna Mic CM900</a:t>
+            </a:r>
+            <a:endParaRPr lang="de-DE" b="1"/>
+          </a:p>
+          <a:p>
+            <a:pPr lvl="1"/>
+            <a:r>
+              <a:rPr lang="de-DE" b="1"/>
+              <a:t>Aufnahmeprogramm: </a:t>
+            </a:r>
+            <a:r>
+              <a:rPr lang="de-DE"/>
+              <a:t>Audacity</a:t>
+            </a:r>
+          </a:p>
+          <a:p>
+            <a:endParaRPr lang="de-DE"/>
+          </a:p>
+          <a:p>
+            <a:r>
+              <a:rPr lang="de-DE"/>
+              <a:t>Real-Time Voice Cloning</a:t>
+            </a:r>
+          </a:p>
+          <a:p>
+            <a:pPr lvl="1"/>
+            <a:r>
+              <a:rPr lang="de-DE" b="1"/>
+              <a:t>CPU:</a:t>
+            </a:r>
+            <a:r>
+              <a:rPr lang="de-DE"/>
+              <a:t> AMD Ryzen 7 5700</a:t>
+            </a:r>
+          </a:p>
+          <a:p>
+            <a:pPr lvl="1"/>
+            <a:r>
+              <a:rPr lang="de-DE" b="1"/>
+              <a:t>RAM: </a:t>
+            </a:r>
+            <a:r>
+              <a:rPr lang="de-DE"/>
+              <a:t>16GB</a:t>
+            </a:r>
+          </a:p>
+          <a:p>
+            <a:pPr lvl="1"/>
+            <a:r>
+              <a:rPr lang="de-DE" b="1"/>
+              <a:t>GPU:</a:t>
+            </a:r>
+            <a:r>
+              <a:rPr lang="de-DE"/>
+              <a:t> AMD Radeon™ Graphics</a:t>
+            </a:r>
+          </a:p>
+          <a:p>
+            <a:pPr lvl="1"/>
+            <a:r>
+              <a:rPr lang="de-DE" b="1"/>
+              <a:t>OS: </a:t>
+            </a:r>
+            <a:r>
+              <a:rPr lang="de-DE"/>
+              <a:t>Windows 11</a:t>
+            </a:r>
+          </a:p>
+          <a:p>
+            <a:pPr lvl="1"/>
+            <a:r>
+              <a:rPr lang="de-DE" b="1"/>
+              <a:t>Mikrofon: </a:t>
+            </a:r>
+            <a:r>
+              <a:rPr lang="de-DE"/>
+              <a:t>Auna Mic CM900</a:t>
+            </a:r>
+            <a:endParaRPr lang="de-DE" b="1"/>
+          </a:p>
+          <a:p>
+            <a:pPr lvl="1"/>
+            <a:r>
+              <a:rPr lang="de-DE" b="1"/>
+              <a:t>Aufnahmeprogramm: </a:t>
+            </a:r>
+            <a:r>
+              <a:rPr lang="de-DE"/>
+              <a:t>Audacity</a:t>
+            </a:r>
+          </a:p>
+          <a:p>
+            <a:pPr marL="0" indent="0">
+              <a:buNone/>
+            </a:pPr>
+            <a:endParaRPr lang="de-DE"/>
+          </a:p>
+        </p:txBody>
+      </p:sp>
+      <p:sp>
+        <p:nvSpPr>
+          <p:cNvPr id="3" name="Titel 2">
+            <a:extLst>
+              <a:ext uri="{FF2B5EF4-FFF2-40B4-BE49-F238E27FC236}">
+                <a16:creationId xmlns:a16="http://schemas.microsoft.com/office/drawing/2014/main" id="{1865092F-6CA6-19FF-81B5-8EB4631AB943}"/>
+              </a:ext>
+            </a:extLst>
+          </p:cNvPr>
+          <p:cNvSpPr>
+            <a:spLocks noGrp="1"/>
+          </p:cNvSpPr>
+          <p:nvPr>
+            <p:ph type="title"/>
+          </p:nvPr>
+        </p:nvSpPr>
+        <p:spPr/>
+        <p:txBody>
+          <a:bodyPr/>
+          <a:lstStyle/>
+          <a:p>
+            <a:r>
+              <a:rPr lang="de-DE"/>
+              <a:t>Laborumgebung</a:t>
+            </a:r>
+          </a:p>
+        </p:txBody>
+      </p:sp>
+      <p:sp>
+        <p:nvSpPr>
+          <p:cNvPr id="4" name="Datumsplatzhalter 3">
+            <a:extLst>
+              <a:ext uri="{FF2B5EF4-FFF2-40B4-BE49-F238E27FC236}">
+                <a16:creationId xmlns:a16="http://schemas.microsoft.com/office/drawing/2014/main" id="{606FDF1F-8CF1-7A5C-C7E8-F9C07C7E46A3}"/>
+              </a:ext>
+            </a:extLst>
+          </p:cNvPr>
+          <p:cNvSpPr>
+            <a:spLocks noGrp="1"/>
+          </p:cNvSpPr>
+          <p:nvPr>
+            <p:ph type="dt" sz="half" idx="10"/>
+          </p:nvPr>
+        </p:nvSpPr>
+        <p:spPr/>
+        <p:txBody>
+          <a:bodyPr/>
+          <a:lstStyle/>
+          <a:p>
+            <a:fld id="{98F3FFE7-5A7D-4390-885E-700117EB97E8}" type="datetime1">
+              <a:rPr lang="de-DE" smtClean="0"/>
+              <a:t>10.08.2024</a:t>
+            </a:fld>
+            <a:endParaRPr lang="de-DE"/>
+          </a:p>
+        </p:txBody>
+      </p:sp>
+      <p:sp>
+        <p:nvSpPr>
+          <p:cNvPr id="5" name="Foliennummernplatzhalter 4">
+            <a:extLst>
+              <a:ext uri="{FF2B5EF4-FFF2-40B4-BE49-F238E27FC236}">
+                <a16:creationId xmlns:a16="http://schemas.microsoft.com/office/drawing/2014/main" id="{6E318A29-97EB-60DE-213D-DD332EF054BC}"/>
+              </a:ext>
+            </a:extLst>
+          </p:cNvPr>
+          <p:cNvSpPr>
+            <a:spLocks noGrp="1"/>
+          </p:cNvSpPr>
+          <p:nvPr>
+            <p:ph type="sldNum" sz="quarter" idx="12"/>
+          </p:nvPr>
+        </p:nvSpPr>
+        <p:spPr/>
+        <p:txBody>
+          <a:bodyPr/>
+          <a:lstStyle/>
+          <a:p>
+            <a:fld id="{129916D8-1490-4DD4-88F6-5306CFA90256}" type="slidenum">
+              <a:rPr lang="de-DE" smtClean="0"/>
+              <a:t>10</a:t>
+            </a:fld>
+            <a:endParaRPr lang="de-DE"/>
+          </a:p>
+        </p:txBody>
+      </p:sp>
+    </p:spTree>
+    <p:extLst>
+      <p:ext uri="{BB962C8B-B14F-4D97-AF65-F5344CB8AC3E}">
+        <p14:creationId xmlns:p14="http://schemas.microsoft.com/office/powerpoint/2010/main" val="618927212"/>
+      </p:ext>
+    </p:extLst>
+  </p:cSld>
+  <p:clrMapOvr>
+    <a:masterClrMapping/>
+  </p:clrMapOvr>
+</p:sld>
+</file>
+
 <file path=ppt/slides/slide2.xml><?xml version="1.0" encoding="utf-8"?>
 <p:sld xmlns:a="http://schemas.openxmlformats.org/drawingml/2006/main" xmlns:r="http://schemas.openxmlformats.org/officeDocument/2006/relationships" xmlns:p="http://schemas.openxmlformats.org/presentationml/2006/main">
   <p:cSld>
@@ -3055,16 +3349,18 @@
           <a:p>
             <a:pPr lvl="1"/>
             <a:r>
-              <a:rPr lang="de-DE" dirty="0"/>
-              <a:t>Autoencoder</a:t>
-            </a:r>
+              <a:rPr lang="de-DE"/>
+              <a:t>Allgemein</a:t>
+            </a:r>
+            <a:endParaRPr lang="de-DE" dirty="0"/>
           </a:p>
           <a:p>
             <a:pPr lvl="1"/>
             <a:r>
-              <a:rPr lang="de-DE" dirty="0"/>
-              <a:t>GANs</a:t>
-            </a:r>
+              <a:rPr lang="de-DE"/>
+              <a:t>Tools</a:t>
+            </a:r>
+            <a:endParaRPr lang="de-DE" dirty="0"/>
           </a:p>
           <a:p>
             <a:r>
@@ -3081,15 +3377,22 @@
           <a:p>
             <a:pPr lvl="1"/>
             <a:r>
-              <a:rPr lang="de-DE" dirty="0"/>
-              <a:t>DFL</a:t>
-            </a:r>
+              <a:rPr lang="de-DE"/>
+              <a:t>Tacotron2</a:t>
+            </a:r>
+            <a:endParaRPr lang="de-DE" dirty="0"/>
           </a:p>
           <a:p>
             <a:pPr lvl="1"/>
             <a:r>
-              <a:rPr lang="de-DE" dirty="0" err="1"/>
-              <a:t>DFLive</a:t>
+              <a:rPr lang="de-DE"/>
+              <a:t>Real-Time Voice Cloning</a:t>
+            </a:r>
+          </a:p>
+          <a:p>
+            <a:r>
+              <a:rPr lang="de-DE"/>
+              <a:t>Laborumgebung</a:t>
             </a:r>
             <a:endParaRPr lang="de-DE" dirty="0"/>
           </a:p>
@@ -3214,7 +3517,36 @@
           <a:bodyPr/>
           <a:lstStyle/>
           <a:p>
+            <a:r>
+              <a:rPr lang="de-DE"/>
+              <a:t>Definition</a:t>
+            </a:r>
+          </a:p>
+          <a:p>
+            <a:pPr lvl="1"/>
+            <a:r>
+              <a:rPr lang="de-DE"/>
+              <a:t>Ein Deepfake-Audio (auch bekannt als Stimmenklonen oder Deepfake-Audio) ist ein Produkt der künstlichen Intelligenz, das dazu dient, überzeugende Sprachsätze zu erzeugen, die so klingen, als würden bestimmte Personen Dinge sagen, die sie nicht gesagt haben.</a:t>
+            </a:r>
+            <a:r>
+              <a:rPr lang="de-DE" baseline="30000"/>
+              <a:t>1</a:t>
+            </a:r>
+          </a:p>
+          <a:p>
             <a:endParaRPr lang="de-DE"/>
+          </a:p>
+          <a:p>
+            <a:endParaRPr lang="de-DE"/>
+          </a:p>
+          <a:p>
+            <a:endParaRPr lang="de-DE"/>
+          </a:p>
+          <a:p>
+            <a:r>
+              <a:rPr lang="de-DE"/>
+              <a:t>Die Bereiche Text-to-Speech und Voice Cloning ermöglichen realistische Stimmfälschungen</a:t>
+            </a:r>
           </a:p>
         </p:txBody>
       </p:sp>
@@ -3301,6 +3633,53 @@
               <a:t>3</a:t>
             </a:fld>
             <a:endParaRPr lang="de-DE"/>
+          </a:p>
+        </p:txBody>
+      </p:sp>
+      <p:sp>
+        <p:nvSpPr>
+          <p:cNvPr id="3" name="Textfeld 2">
+            <a:extLst>
+              <a:ext uri="{FF2B5EF4-FFF2-40B4-BE49-F238E27FC236}">
+                <a16:creationId xmlns:a16="http://schemas.microsoft.com/office/drawing/2014/main" id="{E5301429-8253-5BEC-C2FC-381F4CEE5964}"/>
+              </a:ext>
+            </a:extLst>
+          </p:cNvPr>
+          <p:cNvSpPr txBox="1"/>
+          <p:nvPr/>
+        </p:nvSpPr>
+        <p:spPr>
+          <a:xfrm>
+            <a:off x="1264448" y="6549440"/>
+            <a:ext cx="6095306" cy="246221"/>
+          </a:xfrm>
+          <a:prstGeom prst="rect">
+            <a:avLst/>
+          </a:prstGeom>
+          <a:noFill/>
+        </p:spPr>
+        <p:txBody>
+          <a:bodyPr wrap="square">
+            <a:spAutoFit/>
+          </a:bodyPr>
+          <a:lstStyle/>
+          <a:p>
+            <a:r>
+              <a:rPr lang="de-DE" sz="1000" baseline="30000">
+                <a:solidFill>
+                  <a:srgbClr val="66A5D2"/>
+                </a:solidFill>
+              </a:rPr>
+              <a:t>1</a:t>
+            </a:r>
+            <a:r>
+              <a:rPr lang="de-DE" sz="1000">
+                <a:solidFill>
+                  <a:srgbClr val="66A5D2"/>
+                </a:solidFill>
+              </a:rPr>
+              <a:t>Quelle: https://en.wikipedia.org/wiki/Audio_deepfake</a:t>
+            </a:r>
           </a:p>
         </p:txBody>
       </p:sp>
@@ -3355,7 +3734,57 @@
           <a:bodyPr/>
           <a:lstStyle/>
           <a:p>
+            <a:r>
+              <a:rPr lang="de-DE"/>
+              <a:t>Positive Anwendungsgebiete</a:t>
+            </a:r>
+          </a:p>
+          <a:p>
+            <a:pPr lvl="1"/>
+            <a:r>
+              <a:rPr lang="de-DE"/>
+              <a:t>Untersützung von Personen die ihre Stimme verloren haben</a:t>
+            </a:r>
+          </a:p>
+          <a:p>
+            <a:pPr lvl="1"/>
+            <a:r>
+              <a:rPr lang="de-DE"/>
+              <a:t>Einsatz in Computerspielen oder Filmen</a:t>
+            </a:r>
+          </a:p>
+          <a:p>
             <a:endParaRPr lang="de-DE"/>
+          </a:p>
+          <a:p>
+            <a:endParaRPr lang="de-DE"/>
+          </a:p>
+          <a:p>
+            <a:r>
+              <a:rPr lang="de-DE"/>
+              <a:t>Negative Anwendungsgebiete</a:t>
+            </a:r>
+          </a:p>
+          <a:p>
+            <a:pPr lvl="1"/>
+            <a:r>
+              <a:rPr lang="de-DE"/>
+              <a:t>Betrug </a:t>
+            </a:r>
+          </a:p>
+          <a:p>
+            <a:pPr lvl="1"/>
+            <a:r>
+              <a:rPr lang="de-DE"/>
+              <a:t>Identitätsdiebstahl</a:t>
+            </a:r>
+          </a:p>
+          <a:p>
+            <a:pPr lvl="1"/>
+            <a:r>
+              <a:rPr lang="de-DE"/>
+              <a:t>Manipulation in soziale Medien</a:t>
+            </a:r>
           </a:p>
         </p:txBody>
       </p:sp>
@@ -3496,6 +3925,108 @@
           <a:bodyPr/>
           <a:lstStyle/>
           <a:p>
+            <a:r>
+              <a:rPr lang="de-DE"/>
+              <a:t>Komponenten</a:t>
+            </a:r>
+          </a:p>
+          <a:p>
+            <a:pPr lvl="1"/>
+            <a:r>
+              <a:rPr lang="de-DE"/>
+              <a:t>Mel-Spektrogramm</a:t>
+            </a:r>
+          </a:p>
+          <a:p>
+            <a:pPr lvl="2"/>
+            <a:r>
+              <a:rPr lang="de-DE"/>
+              <a:t>Visuelle Darstellung der Frequenzkomponenten eines Audiosignals</a:t>
+            </a:r>
+          </a:p>
+          <a:p>
+            <a:pPr lvl="2"/>
+            <a:r>
+              <a:rPr lang="de-DE"/>
+              <a:t>Stellt Intensität der Frequenzen in logarithmischen Frequenzmaßstab dar</a:t>
+            </a:r>
+          </a:p>
+          <a:p>
+            <a:pPr lvl="2"/>
+            <a:r>
+              <a:rPr lang="de-DE"/>
+              <a:t>Verwendet für Training der Modelle und Generierung neuer Audiodateien</a:t>
+            </a:r>
+          </a:p>
+          <a:p>
+            <a:pPr lvl="1"/>
+            <a:r>
+              <a:rPr lang="de-DE"/>
+              <a:t>Encoder</a:t>
+            </a:r>
+          </a:p>
+          <a:p>
+            <a:pPr lvl="2"/>
+            <a:r>
+              <a:rPr lang="de-DE"/>
+              <a:t>Neuronales Netzwerk, um wesentliche Merkmale eines Mel-Spektrogramms zu extrahieren</a:t>
+            </a:r>
+          </a:p>
+          <a:p>
+            <a:pPr lvl="2"/>
+            <a:r>
+              <a:rPr lang="de-DE"/>
+              <a:t>Ziel ist es komplexe Informationen im Mel-Spektrogramm zu komprimieren und in eine niedrigdimensionale, latente Repräsentation zu überführen</a:t>
+            </a:r>
+          </a:p>
+          <a:p>
+            <a:pPr lvl="2"/>
+            <a:r>
+              <a:rPr lang="de-DE"/>
+              <a:t>Latente Repräsentation enthält charakteristische Merkmale der Stimme (Tonhöhe, Geschwindigkeit, Stimmfarbe)</a:t>
+            </a:r>
+          </a:p>
+          <a:p>
+            <a:pPr lvl="1"/>
+            <a:r>
+              <a:rPr lang="de-DE"/>
+              <a:t>Synthesizer/Decoder</a:t>
+            </a:r>
+          </a:p>
+          <a:p>
+            <a:pPr lvl="2"/>
+            <a:r>
+              <a:rPr lang="de-DE"/>
+              <a:t>Nimmt latente Repräsentation des Encoders und erzeugt daraus ein neues Mel-Spektrogramm</a:t>
+            </a:r>
+          </a:p>
+          <a:p>
+            <a:pPr lvl="2"/>
+            <a:r>
+              <a:rPr lang="de-DE"/>
+              <a:t>Rekonstruiert ein Mel-Spektrogramm, welches einem echten ähnelt, aber nur gewünschte Modifikation enthält</a:t>
+            </a:r>
+          </a:p>
+          <a:p>
+            <a:pPr lvl="1"/>
+            <a:r>
+              <a:rPr lang="de-DE"/>
+              <a:t>Vocoder</a:t>
+            </a:r>
+          </a:p>
+          <a:p>
+            <a:pPr lvl="2"/>
+            <a:r>
+              <a:rPr lang="de-DE"/>
+              <a:t>Wandelt synthetisierte Mel-Spektrogramm in hörbares Audiosignal um</a:t>
+            </a:r>
+          </a:p>
+          <a:p>
+            <a:pPr lvl="2"/>
+            <a:endParaRPr lang="de-DE"/>
+          </a:p>
+          <a:p>
+            <a:pPr lvl="2"/>
             <a:endParaRPr lang="de-DE"/>
           </a:p>
         </p:txBody>
@@ -3522,17 +4053,10 @@
           <a:lstStyle/>
           <a:p>
             <a:r>
-              <a:rPr lang="de-DE" dirty="0"/>
-              <a:t>Technologische Grundlagen – Text-</a:t>
-            </a:r>
-            <a:r>
-              <a:rPr lang="de-DE" dirty="0" err="1"/>
-              <a:t>To</a:t>
-            </a:r>
-            <a:r>
-              <a:rPr lang="de-DE" dirty="0"/>
-              <a:t>-Speech</a:t>
-            </a:r>
+              <a:rPr lang="de-DE"/>
+              <a:t>Technologische Grundlagen - Allgemein</a:t>
+            </a:r>
+            <a:endParaRPr lang="de-DE" dirty="0"/>
           </a:p>
         </p:txBody>
       </p:sp>
@@ -3645,7 +4169,50 @@
           <a:bodyPr/>
           <a:lstStyle/>
           <a:p>
+            <a:r>
+              <a:rPr lang="de-DE"/>
+              <a:t>Text-to-Speech (TTS) – Tacotron2</a:t>
+            </a:r>
+          </a:p>
+          <a:p>
+            <a:pPr lvl="1"/>
+            <a:r>
+              <a:rPr lang="de-DE"/>
+              <a:t>Funktion: Verwendet Sequenz-zu-Sequenz-Lernen, um Mel-Spektrogramme aus Text zu erzeugen. Diese werden dann in Sprachwellenformen umgewandelt.</a:t>
+            </a:r>
+          </a:p>
+          <a:p>
+            <a:pPr lvl="1"/>
+            <a:r>
+              <a:rPr lang="de-DE"/>
+              <a:t>Merkmale: Hohe Sprachqualität, Flexibilität, Integration mit Vocoder für realistischere Ergebnisse</a:t>
+            </a:r>
+          </a:p>
+          <a:p>
             <a:endParaRPr lang="de-DE"/>
+          </a:p>
+          <a:p>
+            <a:endParaRPr lang="de-DE"/>
+          </a:p>
+          <a:p>
+            <a:r>
+              <a:rPr lang="de-DE"/>
+              <a:t>Real-Time Voice Cloning</a:t>
+            </a:r>
+          </a:p>
+          <a:p>
+            <a:pPr lvl="1"/>
+            <a:r>
+              <a:rPr lang="de-DE"/>
+              <a:t>Funktion: Klont eine Stimme in Echtzeit basierend auf einer kurzen Audioaufnahme.</a:t>
+            </a:r>
+          </a:p>
+          <a:p>
+            <a:pPr lvl="1"/>
+            <a:r>
+              <a:rPr lang="de-DE"/>
+              <a:t>Merkmale: Sofortige Anwendung in Echtzeitkommunikation, braucht nur wenige Sekunden Audio als Ausgangsmaterial</a:t>
+            </a:r>
           </a:p>
         </p:txBody>
       </p:sp>
@@ -3674,11 +4241,11 @@
           <a:p>
             <a:r>
               <a:rPr lang="de-DE" dirty="0"/>
-              <a:t>Technologische Grundlagen – Real-Time Voice </a:t>
-            </a:r>
-            <a:r>
-              <a:rPr lang="de-DE" dirty="0" err="1"/>
-              <a:t>Cloning</a:t>
+              <a:t>Technologische Grundlagen </a:t>
+            </a:r>
+            <a:r>
+              <a:rPr lang="de-DE"/>
+              <a:t>– Tools</a:t>
             </a:r>
             <a:endParaRPr lang="de-DE" dirty="0"/>
           </a:p>
@@ -3793,7 +4360,63 @@
           <a:bodyPr/>
           <a:lstStyle/>
           <a:p>
+            <a:r>
+              <a:rPr lang="de-DE"/>
+              <a:t>Risiken</a:t>
+            </a:r>
+          </a:p>
+          <a:p>
+            <a:pPr lvl="1"/>
+            <a:r>
+              <a:rPr lang="de-DE"/>
+              <a:t>Täuschungen</a:t>
+            </a:r>
+          </a:p>
+          <a:p>
+            <a:pPr lvl="1"/>
+            <a:r>
+              <a:rPr lang="de-DE"/>
+              <a:t> Missbrauch in betrügerischen Aktivitäten</a:t>
+            </a:r>
+          </a:p>
+          <a:p>
             <a:endParaRPr lang="de-DE"/>
+          </a:p>
+          <a:p>
+            <a:r>
+              <a:rPr lang="de-DE"/>
+              <a:t>Herausforderungen</a:t>
+            </a:r>
+          </a:p>
+          <a:p>
+            <a:pPr lvl="1"/>
+            <a:r>
+              <a:rPr lang="de-DE"/>
+              <a:t>Schwer, gefälschte von echten Audioinhalten zu unterscheiden. (Bei gut trainierten Modellen mit viel Trainingsmaterial)</a:t>
+            </a:r>
+          </a:p>
+          <a:p>
+            <a:endParaRPr lang="de-DE"/>
+          </a:p>
+          <a:p>
+            <a:r>
+              <a:rPr lang="de-DE"/>
+              <a:t>Maßnahmen</a:t>
+            </a:r>
+          </a:p>
+          <a:p>
+            <a:pPr lvl="1"/>
+            <a:r>
+              <a:rPr lang="de-DE"/>
+              <a:t>Entwicklung von Erkennungstechnologien</a:t>
+            </a:r>
+          </a:p>
+          <a:p>
+            <a:pPr lvl="1"/>
+            <a:r>
+              <a:rPr lang="de-DE"/>
+              <a:t>Rechtliche Regelungen</a:t>
+            </a:r>
           </a:p>
         </p:txBody>
       </p:sp>
@@ -3934,7 +4557,72 @@
           <a:bodyPr/>
           <a:lstStyle/>
           <a:p>
+            <a:r>
+              <a:rPr lang="de-DE"/>
+              <a:t>Datensammlung</a:t>
+            </a:r>
+          </a:p>
+          <a:p>
+            <a:pPr lvl="1"/>
+            <a:r>
+              <a:rPr lang="de-DE"/>
+              <a:t>Aufnahmen von Sprachproben erstellen und als einzelne Dateien speichern</a:t>
+            </a:r>
+          </a:p>
+          <a:p>
             <a:endParaRPr lang="de-DE"/>
+          </a:p>
+          <a:p>
+            <a:r>
+              <a:rPr lang="de-DE"/>
+              <a:t>Preprocessing</a:t>
+            </a:r>
+          </a:p>
+          <a:p>
+            <a:pPr lvl="1"/>
+            <a:r>
+              <a:rPr lang="de-DE"/>
+              <a:t>Konvertierung der Audiodateien in das erforderliche Format</a:t>
+            </a:r>
+          </a:p>
+          <a:p>
+            <a:pPr lvl="1"/>
+            <a:r>
+              <a:rPr lang="de-DE"/>
+              <a:t>Erstellen von Transkripten</a:t>
+            </a:r>
+          </a:p>
+          <a:p>
+            <a:endParaRPr lang="de-DE"/>
+          </a:p>
+          <a:p>
+            <a:r>
+              <a:rPr lang="de-DE"/>
+              <a:t>Modelltraining</a:t>
+            </a:r>
+          </a:p>
+          <a:p>
+            <a:pPr lvl="1"/>
+            <a:r>
+              <a:rPr lang="de-DE"/>
+              <a:t>Training von Tacotron2, um Mel-Spektrogramme aus Texteingaben zu erzeugen</a:t>
+            </a:r>
+          </a:p>
+          <a:p>
+            <a:endParaRPr lang="de-DE"/>
+          </a:p>
+          <a:p>
+            <a:r>
+              <a:rPr lang="de-DE"/>
+              <a:t>Audio-Synthese</a:t>
+            </a:r>
+          </a:p>
+          <a:p>
+            <a:pPr lvl="1"/>
+            <a:r>
+              <a:rPr lang="de-DE"/>
+              <a:t>Umwandlung der Spektrogramme in Sprachwellenformen zur Erzeugung der finalen synthetischen Audio</a:t>
+            </a:r>
           </a:p>
         </p:txBody>
       </p:sp>
@@ -4077,6 +4765,49 @@
           <a:bodyPr/>
           <a:lstStyle/>
           <a:p>
+            <a:r>
+              <a:rPr lang="de-DE"/>
+              <a:t>Aufnahme einer Kurzspur</a:t>
+            </a:r>
+          </a:p>
+          <a:p>
+            <a:pPr lvl="1"/>
+            <a:r>
+              <a:rPr lang="de-DE"/>
+              <a:t>Erstellen einer kurzen Audioaufnahme der Zielstimme</a:t>
+            </a:r>
+          </a:p>
+          <a:p>
+            <a:endParaRPr lang="de-DE"/>
+          </a:p>
+          <a:p>
+            <a:r>
+              <a:rPr lang="de-DE"/>
+              <a:t>Extraktion von Merkmalen</a:t>
+            </a:r>
+          </a:p>
+          <a:p>
+            <a:pPr lvl="1"/>
+            <a:r>
+              <a:rPr lang="de-DE"/>
+              <a:t>Analyse der Audioeigenschaften durch das Modell</a:t>
+            </a:r>
+          </a:p>
+          <a:p>
+            <a:endParaRPr lang="de-DE"/>
+          </a:p>
+          <a:p>
+            <a:r>
+              <a:rPr lang="de-DE"/>
+              <a:t>Echtzeit-Klonung</a:t>
+            </a:r>
+          </a:p>
+          <a:p>
+            <a:pPr lvl="1"/>
+            <a:r>
+              <a:rPr lang="de-DE"/>
+              <a:t>Anwenden der geklonten Stimme auf neue Sprachinhalte in Echtzeit, z.B. durch Texteingabe</a:t>
+            </a:r>
             <a:endParaRPr lang="de-DE" dirty="0"/>
           </a:p>
         </p:txBody>

--- a/Praesentationen/Audio-Deepfakes.pptx
+++ b/Praesentationen/Audio-Deepfakes.pptx
@@ -2945,29 +2945,6 @@
       </p:grpSpPr>
       <p:sp>
         <p:nvSpPr>
-          <p:cNvPr id="4101" name="Rectangle 2"/>
-          <p:cNvSpPr>
-            <a:spLocks noGrp="1" noChangeArrowheads="1"/>
-          </p:cNvSpPr>
-          <p:nvPr>
-            <p:ph type="ctrTitle"/>
-          </p:nvPr>
-        </p:nvSpPr>
-        <p:spPr/>
-        <p:txBody>
-          <a:bodyPr/>
-          <a:lstStyle/>
-          <a:p>
-            <a:pPr eaLnBrk="1" hangingPunct="1"/>
-            <a:r>
-              <a:rPr lang="de-DE" dirty="0"/>
-              <a:t>Audio Deepfakes</a:t>
-            </a:r>
-          </a:p>
-        </p:txBody>
-      </p:sp>
-      <p:sp>
-        <p:nvSpPr>
           <p:cNvPr id="4102" name="Rectangle 3"/>
           <p:cNvSpPr>
             <a:spLocks noGrp="1" noChangeArrowheads="1"/>
@@ -2988,6 +2965,64 @@
               <a:rPr lang="de-DE" dirty="0"/>
               <a:t>Julian Faigle, Max Ernstschneider</a:t>
             </a:r>
+          </a:p>
+        </p:txBody>
+      </p:sp>
+      <p:sp>
+        <p:nvSpPr>
+          <p:cNvPr id="7" name="Rectangle 2">
+            <a:extLst>
+              <a:ext uri="{FF2B5EF4-FFF2-40B4-BE49-F238E27FC236}">
+                <a16:creationId xmlns:a16="http://schemas.microsoft.com/office/drawing/2014/main" id="{66274E4B-6AD1-4468-8295-E574D3C11098}"/>
+              </a:ext>
+            </a:extLst>
+          </p:cNvPr>
+          <p:cNvSpPr>
+            <a:spLocks noGrp="1" noChangeArrowheads="1"/>
+          </p:cNvSpPr>
+          <p:nvPr>
+            <p:ph type="ctrTitle"/>
+          </p:nvPr>
+        </p:nvSpPr>
+        <p:spPr>
+          <a:xfrm>
+            <a:off x="2420938" y="1782763"/>
+            <a:ext cx="9015412" cy="2219325"/>
+          </a:xfrm>
+        </p:spPr>
+        <p:txBody>
+          <a:bodyPr>
+            <a:normAutofit fontScale="90000"/>
+          </a:bodyPr>
+          <a:lstStyle/>
+          <a:p>
+            <a:pPr eaLnBrk="1" hangingPunct="1"/>
+            <a:r>
+              <a:rPr lang="de-DE" dirty="0"/>
+              <a:t>Audio Deepfakes</a:t>
+            </a:r>
+            <a:br>
+              <a:rPr lang="de-DE" dirty="0"/>
+            </a:br>
+            <a:br>
+              <a:rPr lang="de-DE" dirty="0"/>
+            </a:br>
+            <a:br>
+              <a:rPr lang="de-DE" dirty="0"/>
+            </a:br>
+            <a:r>
+              <a:rPr lang="de-DE" sz="2000" dirty="0"/>
+              <a:t>Projektarbeit: Deepfakes und </a:t>
+            </a:r>
+            <a:r>
+              <a:rPr lang="de-DE" sz="2000" dirty="0" err="1"/>
+              <a:t>Social</a:t>
+            </a:r>
+            <a:r>
+              <a:rPr lang="de-DE" sz="2000" dirty="0"/>
+              <a:t> Engineering</a:t>
+            </a:r>
+            <a:endParaRPr lang="de-DE" dirty="0"/>
           </a:p>
         </p:txBody>
       </p:sp>
